--- a/ppt 16-9/0211.圣诞歌咏.pptx
+++ b/ppt 16-9/0211.圣诞歌咏.pptx
@@ -129,7 +129,7 @@
           <p:cNvPr id="2" name="标题 1">
             <a:extLst>
               <a:ext uri="{FF2B5EF4-FFF2-40B4-BE49-F238E27FC236}">
-                <a16:creationId xmlns:a16="http://schemas.microsoft.com/office/drawing/2014/main" id="{C2F33D8D-1222-A0FD-5991-992E53263FF5}"/>
+                <a16:creationId xmlns:a16="http://schemas.microsoft.com/office/drawing/2014/main" id="{E778175E-3563-C224-4E34-16D386A9EB41}"/>
               </a:ext>
             </a:extLst>
           </p:cNvPr>
@@ -166,7 +166,7 @@
           <p:cNvPr id="3" name="副标题 2">
             <a:extLst>
               <a:ext uri="{FF2B5EF4-FFF2-40B4-BE49-F238E27FC236}">
-                <a16:creationId xmlns:a16="http://schemas.microsoft.com/office/drawing/2014/main" id="{A68941F4-2EB2-270D-D842-27ADD9BE5897}"/>
+                <a16:creationId xmlns:a16="http://schemas.microsoft.com/office/drawing/2014/main" id="{E6696D94-F0DF-5938-AD35-3BEA7CA30A1D}"/>
               </a:ext>
             </a:extLst>
           </p:cNvPr>
@@ -236,7 +236,7 @@
           <p:cNvPr id="4" name="日期占位符 3">
             <a:extLst>
               <a:ext uri="{FF2B5EF4-FFF2-40B4-BE49-F238E27FC236}">
-                <a16:creationId xmlns:a16="http://schemas.microsoft.com/office/drawing/2014/main" id="{606DCDEF-3B74-8CA7-BBD5-76BE36F38910}"/>
+                <a16:creationId xmlns:a16="http://schemas.microsoft.com/office/drawing/2014/main" id="{9CA314F5-E3CD-21E8-B983-7CEFC8F80051}"/>
               </a:ext>
             </a:extLst>
           </p:cNvPr>
@@ -252,7 +252,7 @@
           <a:bodyPr/>
           <a:lstStyle/>
           <a:p>
-            <a:fld id="{EA7E40A2-DADF-4703-A080-F2A13789ADFF}" type="datetimeFigureOut">
+            <a:fld id="{7464A8F9-ED8E-40F9-AF24-CEA3B6277D80}" type="datetimeFigureOut">
               <a:rPr lang="zh-CN" altLang="en-US" smtClean="0"/>
               <a:t>2024/3/10</a:t>
             </a:fld>
@@ -265,7 +265,7 @@
           <p:cNvPr id="5" name="页脚占位符 4">
             <a:extLst>
               <a:ext uri="{FF2B5EF4-FFF2-40B4-BE49-F238E27FC236}">
-                <a16:creationId xmlns:a16="http://schemas.microsoft.com/office/drawing/2014/main" id="{51BC4267-336D-C418-0146-3E24A9FF18A7}"/>
+                <a16:creationId xmlns:a16="http://schemas.microsoft.com/office/drawing/2014/main" id="{E493BF7B-E0BA-8E10-C998-D1D52DF3CBA8}"/>
               </a:ext>
             </a:extLst>
           </p:cNvPr>
@@ -290,7 +290,7 @@
           <p:cNvPr id="6" name="灯片编号占位符 5">
             <a:extLst>
               <a:ext uri="{FF2B5EF4-FFF2-40B4-BE49-F238E27FC236}">
-                <a16:creationId xmlns:a16="http://schemas.microsoft.com/office/drawing/2014/main" id="{B0DF609A-725B-F2B4-E696-AE355F50106F}"/>
+                <a16:creationId xmlns:a16="http://schemas.microsoft.com/office/drawing/2014/main" id="{C38E7DB0-56A4-A836-ED21-4151FF846620}"/>
               </a:ext>
             </a:extLst>
           </p:cNvPr>
@@ -306,7 +306,7 @@
           <a:bodyPr/>
           <a:lstStyle/>
           <a:p>
-            <a:fld id="{C9DD12AC-66F2-4BC5-9085-E4AE6734215E}" type="slidenum">
+            <a:fld id="{D3B064BB-ADCB-4DE1-B485-2AC0E04059DB}" type="slidenum">
               <a:rPr lang="zh-CN" altLang="en-US" smtClean="0"/>
               <a:t>‹#›</a:t>
             </a:fld>
@@ -317,7 +317,7 @@
     </p:spTree>
     <p:extLst>
       <p:ext uri="{BB962C8B-B14F-4D97-AF65-F5344CB8AC3E}">
-        <p14:creationId xmlns:p14="http://schemas.microsoft.com/office/powerpoint/2010/main" val="2218323161"/>
+        <p14:creationId xmlns:p14="http://schemas.microsoft.com/office/powerpoint/2010/main" val="1010801478"/>
       </p:ext>
     </p:extLst>
   </p:cSld>
@@ -349,7 +349,7 @@
           <p:cNvPr id="2" name="标题 1">
             <a:extLst>
               <a:ext uri="{FF2B5EF4-FFF2-40B4-BE49-F238E27FC236}">
-                <a16:creationId xmlns:a16="http://schemas.microsoft.com/office/drawing/2014/main" id="{4A20B74D-EBBC-FF65-E84D-B8A0E2E2B7EC}"/>
+                <a16:creationId xmlns:a16="http://schemas.microsoft.com/office/drawing/2014/main" id="{689B71D2-E5FD-E027-6EF1-2785F1290C2E}"/>
               </a:ext>
             </a:extLst>
           </p:cNvPr>
@@ -377,7 +377,7 @@
           <p:cNvPr id="3" name="竖排文字占位符 2">
             <a:extLst>
               <a:ext uri="{FF2B5EF4-FFF2-40B4-BE49-F238E27FC236}">
-                <a16:creationId xmlns:a16="http://schemas.microsoft.com/office/drawing/2014/main" id="{C75FAC60-6C71-972B-EF9F-593ED7C99FC6}"/>
+                <a16:creationId xmlns:a16="http://schemas.microsoft.com/office/drawing/2014/main" id="{483CC59B-1CED-1FEE-4264-2AAC49532F5A}"/>
               </a:ext>
             </a:extLst>
           </p:cNvPr>
@@ -434,7 +434,7 @@
           <p:cNvPr id="4" name="日期占位符 3">
             <a:extLst>
               <a:ext uri="{FF2B5EF4-FFF2-40B4-BE49-F238E27FC236}">
-                <a16:creationId xmlns:a16="http://schemas.microsoft.com/office/drawing/2014/main" id="{8D0F814D-558D-9C3C-8E0A-53992FBDF864}"/>
+                <a16:creationId xmlns:a16="http://schemas.microsoft.com/office/drawing/2014/main" id="{DEF5F347-D608-A59D-2E0A-98D504DD62E6}"/>
               </a:ext>
             </a:extLst>
           </p:cNvPr>
@@ -450,7 +450,7 @@
           <a:bodyPr/>
           <a:lstStyle/>
           <a:p>
-            <a:fld id="{EA7E40A2-DADF-4703-A080-F2A13789ADFF}" type="datetimeFigureOut">
+            <a:fld id="{7464A8F9-ED8E-40F9-AF24-CEA3B6277D80}" type="datetimeFigureOut">
               <a:rPr lang="zh-CN" altLang="en-US" smtClean="0"/>
               <a:t>2024/3/10</a:t>
             </a:fld>
@@ -463,7 +463,7 @@
           <p:cNvPr id="5" name="页脚占位符 4">
             <a:extLst>
               <a:ext uri="{FF2B5EF4-FFF2-40B4-BE49-F238E27FC236}">
-                <a16:creationId xmlns:a16="http://schemas.microsoft.com/office/drawing/2014/main" id="{326A0222-2442-F1E0-78C6-EC6BE645E307}"/>
+                <a16:creationId xmlns:a16="http://schemas.microsoft.com/office/drawing/2014/main" id="{EAF648CD-7DFD-9973-25DE-F15205819C14}"/>
               </a:ext>
             </a:extLst>
           </p:cNvPr>
@@ -488,7 +488,7 @@
           <p:cNvPr id="6" name="灯片编号占位符 5">
             <a:extLst>
               <a:ext uri="{FF2B5EF4-FFF2-40B4-BE49-F238E27FC236}">
-                <a16:creationId xmlns:a16="http://schemas.microsoft.com/office/drawing/2014/main" id="{29C3FC23-B6B2-76B7-33A5-E1432FDDB469}"/>
+                <a16:creationId xmlns:a16="http://schemas.microsoft.com/office/drawing/2014/main" id="{C034E772-0660-BBBF-E22F-53DE82BBBE63}"/>
               </a:ext>
             </a:extLst>
           </p:cNvPr>
@@ -504,7 +504,7 @@
           <a:bodyPr/>
           <a:lstStyle/>
           <a:p>
-            <a:fld id="{C9DD12AC-66F2-4BC5-9085-E4AE6734215E}" type="slidenum">
+            <a:fld id="{D3B064BB-ADCB-4DE1-B485-2AC0E04059DB}" type="slidenum">
               <a:rPr lang="zh-CN" altLang="en-US" smtClean="0"/>
               <a:t>‹#›</a:t>
             </a:fld>
@@ -515,7 +515,7 @@
     </p:spTree>
     <p:extLst>
       <p:ext uri="{BB962C8B-B14F-4D97-AF65-F5344CB8AC3E}">
-        <p14:creationId xmlns:p14="http://schemas.microsoft.com/office/powerpoint/2010/main" val="1429163318"/>
+        <p14:creationId xmlns:p14="http://schemas.microsoft.com/office/powerpoint/2010/main" val="1716706486"/>
       </p:ext>
     </p:extLst>
   </p:cSld>
@@ -547,7 +547,7 @@
           <p:cNvPr id="2" name="竖排标题 1">
             <a:extLst>
               <a:ext uri="{FF2B5EF4-FFF2-40B4-BE49-F238E27FC236}">
-                <a16:creationId xmlns:a16="http://schemas.microsoft.com/office/drawing/2014/main" id="{BC4594A9-8112-7BA1-1D04-FF3BA0D896FD}"/>
+                <a16:creationId xmlns:a16="http://schemas.microsoft.com/office/drawing/2014/main" id="{6BC4B09B-A3C2-658D-76F7-8F9FC067A211}"/>
               </a:ext>
             </a:extLst>
           </p:cNvPr>
@@ -580,7 +580,7 @@
           <p:cNvPr id="3" name="竖排文字占位符 2">
             <a:extLst>
               <a:ext uri="{FF2B5EF4-FFF2-40B4-BE49-F238E27FC236}">
-                <a16:creationId xmlns:a16="http://schemas.microsoft.com/office/drawing/2014/main" id="{B9C6C652-98C2-E09C-6997-4AA5A228DBF3}"/>
+                <a16:creationId xmlns:a16="http://schemas.microsoft.com/office/drawing/2014/main" id="{C40F3522-70C6-097D-0978-36ADC4B7450A}"/>
               </a:ext>
             </a:extLst>
           </p:cNvPr>
@@ -642,7 +642,7 @@
           <p:cNvPr id="4" name="日期占位符 3">
             <a:extLst>
               <a:ext uri="{FF2B5EF4-FFF2-40B4-BE49-F238E27FC236}">
-                <a16:creationId xmlns:a16="http://schemas.microsoft.com/office/drawing/2014/main" id="{E98F7414-0F16-E186-08F2-B3053FE58071}"/>
+                <a16:creationId xmlns:a16="http://schemas.microsoft.com/office/drawing/2014/main" id="{EEEDB87C-E8A8-78AE-C808-5DC848A63BC2}"/>
               </a:ext>
             </a:extLst>
           </p:cNvPr>
@@ -658,7 +658,7 @@
           <a:bodyPr/>
           <a:lstStyle/>
           <a:p>
-            <a:fld id="{EA7E40A2-DADF-4703-A080-F2A13789ADFF}" type="datetimeFigureOut">
+            <a:fld id="{7464A8F9-ED8E-40F9-AF24-CEA3B6277D80}" type="datetimeFigureOut">
               <a:rPr lang="zh-CN" altLang="en-US" smtClean="0"/>
               <a:t>2024/3/10</a:t>
             </a:fld>
@@ -671,7 +671,7 @@
           <p:cNvPr id="5" name="页脚占位符 4">
             <a:extLst>
               <a:ext uri="{FF2B5EF4-FFF2-40B4-BE49-F238E27FC236}">
-                <a16:creationId xmlns:a16="http://schemas.microsoft.com/office/drawing/2014/main" id="{E67847E3-8DCB-C61C-8CD5-C2D3C655904B}"/>
+                <a16:creationId xmlns:a16="http://schemas.microsoft.com/office/drawing/2014/main" id="{613DA777-3FA7-3663-8DDC-8AA0632FF9D5}"/>
               </a:ext>
             </a:extLst>
           </p:cNvPr>
@@ -696,7 +696,7 @@
           <p:cNvPr id="6" name="灯片编号占位符 5">
             <a:extLst>
               <a:ext uri="{FF2B5EF4-FFF2-40B4-BE49-F238E27FC236}">
-                <a16:creationId xmlns:a16="http://schemas.microsoft.com/office/drawing/2014/main" id="{C4AFB339-F453-0D70-899C-AC216CC53029}"/>
+                <a16:creationId xmlns:a16="http://schemas.microsoft.com/office/drawing/2014/main" id="{F81540CE-368D-1BA6-6DBF-42B48D02FED3}"/>
               </a:ext>
             </a:extLst>
           </p:cNvPr>
@@ -712,7 +712,7 @@
           <a:bodyPr/>
           <a:lstStyle/>
           <a:p>
-            <a:fld id="{C9DD12AC-66F2-4BC5-9085-E4AE6734215E}" type="slidenum">
+            <a:fld id="{D3B064BB-ADCB-4DE1-B485-2AC0E04059DB}" type="slidenum">
               <a:rPr lang="zh-CN" altLang="en-US" smtClean="0"/>
               <a:t>‹#›</a:t>
             </a:fld>
@@ -723,7 +723,7 @@
     </p:spTree>
     <p:extLst>
       <p:ext uri="{BB962C8B-B14F-4D97-AF65-F5344CB8AC3E}">
-        <p14:creationId xmlns:p14="http://schemas.microsoft.com/office/powerpoint/2010/main" val="3691146279"/>
+        <p14:creationId xmlns:p14="http://schemas.microsoft.com/office/powerpoint/2010/main" val="1094830966"/>
       </p:ext>
     </p:extLst>
   </p:cSld>
@@ -755,7 +755,7 @@
           <p:cNvPr id="2" name="标题 1">
             <a:extLst>
               <a:ext uri="{FF2B5EF4-FFF2-40B4-BE49-F238E27FC236}">
-                <a16:creationId xmlns:a16="http://schemas.microsoft.com/office/drawing/2014/main" id="{8699FE74-C57B-4BD1-9515-F8ED8090C223}"/>
+                <a16:creationId xmlns:a16="http://schemas.microsoft.com/office/drawing/2014/main" id="{3D77C7EC-8A8D-829C-CE4C-365F8DF24AFA}"/>
               </a:ext>
             </a:extLst>
           </p:cNvPr>
@@ -783,7 +783,7 @@
           <p:cNvPr id="3" name="内容占位符 2">
             <a:extLst>
               <a:ext uri="{FF2B5EF4-FFF2-40B4-BE49-F238E27FC236}">
-                <a16:creationId xmlns:a16="http://schemas.microsoft.com/office/drawing/2014/main" id="{F0034813-12F5-FF87-3432-2562E1FD110C}"/>
+                <a16:creationId xmlns:a16="http://schemas.microsoft.com/office/drawing/2014/main" id="{D9E41C4A-6770-5C1A-6DDD-5218EC895D43}"/>
               </a:ext>
             </a:extLst>
           </p:cNvPr>
@@ -840,7 +840,7 @@
           <p:cNvPr id="4" name="日期占位符 3">
             <a:extLst>
               <a:ext uri="{FF2B5EF4-FFF2-40B4-BE49-F238E27FC236}">
-                <a16:creationId xmlns:a16="http://schemas.microsoft.com/office/drawing/2014/main" id="{61DEAC10-FE5B-59B9-AF10-3CC1736B99D3}"/>
+                <a16:creationId xmlns:a16="http://schemas.microsoft.com/office/drawing/2014/main" id="{3620AED6-5A62-AF81-92EF-A9C8D7EEB299}"/>
               </a:ext>
             </a:extLst>
           </p:cNvPr>
@@ -856,7 +856,7 @@
           <a:bodyPr/>
           <a:lstStyle/>
           <a:p>
-            <a:fld id="{EA7E40A2-DADF-4703-A080-F2A13789ADFF}" type="datetimeFigureOut">
+            <a:fld id="{7464A8F9-ED8E-40F9-AF24-CEA3B6277D80}" type="datetimeFigureOut">
               <a:rPr lang="zh-CN" altLang="en-US" smtClean="0"/>
               <a:t>2024/3/10</a:t>
             </a:fld>
@@ -869,7 +869,7 @@
           <p:cNvPr id="5" name="页脚占位符 4">
             <a:extLst>
               <a:ext uri="{FF2B5EF4-FFF2-40B4-BE49-F238E27FC236}">
-                <a16:creationId xmlns:a16="http://schemas.microsoft.com/office/drawing/2014/main" id="{8D5C7C38-7594-BA4C-8664-FC0B52713ECE}"/>
+                <a16:creationId xmlns:a16="http://schemas.microsoft.com/office/drawing/2014/main" id="{016D44C6-DCF2-B5C7-8EF2-41DF9AF7CBF0}"/>
               </a:ext>
             </a:extLst>
           </p:cNvPr>
@@ -894,7 +894,7 @@
           <p:cNvPr id="6" name="灯片编号占位符 5">
             <a:extLst>
               <a:ext uri="{FF2B5EF4-FFF2-40B4-BE49-F238E27FC236}">
-                <a16:creationId xmlns:a16="http://schemas.microsoft.com/office/drawing/2014/main" id="{C092D36B-D7A2-3792-E695-64785BBCB282}"/>
+                <a16:creationId xmlns:a16="http://schemas.microsoft.com/office/drawing/2014/main" id="{8AF23149-4407-2392-8CA1-1ED699EF6502}"/>
               </a:ext>
             </a:extLst>
           </p:cNvPr>
@@ -910,7 +910,7 @@
           <a:bodyPr/>
           <a:lstStyle/>
           <a:p>
-            <a:fld id="{C9DD12AC-66F2-4BC5-9085-E4AE6734215E}" type="slidenum">
+            <a:fld id="{D3B064BB-ADCB-4DE1-B485-2AC0E04059DB}" type="slidenum">
               <a:rPr lang="zh-CN" altLang="en-US" smtClean="0"/>
               <a:t>‹#›</a:t>
             </a:fld>
@@ -921,7 +921,7 @@
     </p:spTree>
     <p:extLst>
       <p:ext uri="{BB962C8B-B14F-4D97-AF65-F5344CB8AC3E}">
-        <p14:creationId xmlns:p14="http://schemas.microsoft.com/office/powerpoint/2010/main" val="4138600102"/>
+        <p14:creationId xmlns:p14="http://schemas.microsoft.com/office/powerpoint/2010/main" val="2395133691"/>
       </p:ext>
     </p:extLst>
   </p:cSld>
@@ -953,7 +953,7 @@
           <p:cNvPr id="2" name="标题 1">
             <a:extLst>
               <a:ext uri="{FF2B5EF4-FFF2-40B4-BE49-F238E27FC236}">
-                <a16:creationId xmlns:a16="http://schemas.microsoft.com/office/drawing/2014/main" id="{766B45E5-160E-1235-002E-09C112846E82}"/>
+                <a16:creationId xmlns:a16="http://schemas.microsoft.com/office/drawing/2014/main" id="{EE0934D2-5306-C335-DFA5-AD8E6888C8ED}"/>
               </a:ext>
             </a:extLst>
           </p:cNvPr>
@@ -990,7 +990,7 @@
           <p:cNvPr id="3" name="文本占位符 2">
             <a:extLst>
               <a:ext uri="{FF2B5EF4-FFF2-40B4-BE49-F238E27FC236}">
-                <a16:creationId xmlns:a16="http://schemas.microsoft.com/office/drawing/2014/main" id="{0F5494FC-6E34-C9A9-9CDA-1C12D20D5365}"/>
+                <a16:creationId xmlns:a16="http://schemas.microsoft.com/office/drawing/2014/main" id="{A89AB4E5-03D3-AB2F-D234-518FBED52756}"/>
               </a:ext>
             </a:extLst>
           </p:cNvPr>
@@ -1115,7 +1115,7 @@
           <p:cNvPr id="4" name="日期占位符 3">
             <a:extLst>
               <a:ext uri="{FF2B5EF4-FFF2-40B4-BE49-F238E27FC236}">
-                <a16:creationId xmlns:a16="http://schemas.microsoft.com/office/drawing/2014/main" id="{86040321-BD76-D7C7-5C14-E63C52FE4335}"/>
+                <a16:creationId xmlns:a16="http://schemas.microsoft.com/office/drawing/2014/main" id="{21819C1B-B788-9A42-5B8D-E9B4A5E78C4D}"/>
               </a:ext>
             </a:extLst>
           </p:cNvPr>
@@ -1131,7 +1131,7 @@
           <a:bodyPr/>
           <a:lstStyle/>
           <a:p>
-            <a:fld id="{EA7E40A2-DADF-4703-A080-F2A13789ADFF}" type="datetimeFigureOut">
+            <a:fld id="{7464A8F9-ED8E-40F9-AF24-CEA3B6277D80}" type="datetimeFigureOut">
               <a:rPr lang="zh-CN" altLang="en-US" smtClean="0"/>
               <a:t>2024/3/10</a:t>
             </a:fld>
@@ -1144,7 +1144,7 @@
           <p:cNvPr id="5" name="页脚占位符 4">
             <a:extLst>
               <a:ext uri="{FF2B5EF4-FFF2-40B4-BE49-F238E27FC236}">
-                <a16:creationId xmlns:a16="http://schemas.microsoft.com/office/drawing/2014/main" id="{85F6F493-D840-972F-0303-F5B321C203CD}"/>
+                <a16:creationId xmlns:a16="http://schemas.microsoft.com/office/drawing/2014/main" id="{B6713F09-4A57-F922-AA60-96DF100CC86B}"/>
               </a:ext>
             </a:extLst>
           </p:cNvPr>
@@ -1169,7 +1169,7 @@
           <p:cNvPr id="6" name="灯片编号占位符 5">
             <a:extLst>
               <a:ext uri="{FF2B5EF4-FFF2-40B4-BE49-F238E27FC236}">
-                <a16:creationId xmlns:a16="http://schemas.microsoft.com/office/drawing/2014/main" id="{67C30DC5-8647-7924-CB97-076E08EC78D5}"/>
+                <a16:creationId xmlns:a16="http://schemas.microsoft.com/office/drawing/2014/main" id="{B9CEEFD5-DE00-1279-ED81-55BFFDF9D705}"/>
               </a:ext>
             </a:extLst>
           </p:cNvPr>
@@ -1185,7 +1185,7 @@
           <a:bodyPr/>
           <a:lstStyle/>
           <a:p>
-            <a:fld id="{C9DD12AC-66F2-4BC5-9085-E4AE6734215E}" type="slidenum">
+            <a:fld id="{D3B064BB-ADCB-4DE1-B485-2AC0E04059DB}" type="slidenum">
               <a:rPr lang="zh-CN" altLang="en-US" smtClean="0"/>
               <a:t>‹#›</a:t>
             </a:fld>
@@ -1196,7 +1196,7 @@
     </p:spTree>
     <p:extLst>
       <p:ext uri="{BB962C8B-B14F-4D97-AF65-F5344CB8AC3E}">
-        <p14:creationId xmlns:p14="http://schemas.microsoft.com/office/powerpoint/2010/main" val="3302066549"/>
+        <p14:creationId xmlns:p14="http://schemas.microsoft.com/office/powerpoint/2010/main" val="632471455"/>
       </p:ext>
     </p:extLst>
   </p:cSld>
@@ -1228,7 +1228,7 @@
           <p:cNvPr id="2" name="标题 1">
             <a:extLst>
               <a:ext uri="{FF2B5EF4-FFF2-40B4-BE49-F238E27FC236}">
-                <a16:creationId xmlns:a16="http://schemas.microsoft.com/office/drawing/2014/main" id="{9CA33218-81F4-0B62-3B92-526C234BD511}"/>
+                <a16:creationId xmlns:a16="http://schemas.microsoft.com/office/drawing/2014/main" id="{C6731825-5066-7903-E7EE-D943EC8A9C0E}"/>
               </a:ext>
             </a:extLst>
           </p:cNvPr>
@@ -1256,7 +1256,7 @@
           <p:cNvPr id="3" name="内容占位符 2">
             <a:extLst>
               <a:ext uri="{FF2B5EF4-FFF2-40B4-BE49-F238E27FC236}">
-                <a16:creationId xmlns:a16="http://schemas.microsoft.com/office/drawing/2014/main" id="{E97B91BF-90A1-2EF9-908C-45BF8FCC8BBE}"/>
+                <a16:creationId xmlns:a16="http://schemas.microsoft.com/office/drawing/2014/main" id="{BC4F3965-9112-45BD-4738-E366CB1B6C11}"/>
               </a:ext>
             </a:extLst>
           </p:cNvPr>
@@ -1318,7 +1318,7 @@
           <p:cNvPr id="4" name="内容占位符 3">
             <a:extLst>
               <a:ext uri="{FF2B5EF4-FFF2-40B4-BE49-F238E27FC236}">
-                <a16:creationId xmlns:a16="http://schemas.microsoft.com/office/drawing/2014/main" id="{2BF25CBD-C8C8-0AF5-5D37-44E26F02A8D0}"/>
+                <a16:creationId xmlns:a16="http://schemas.microsoft.com/office/drawing/2014/main" id="{1EEFAB18-82A8-C87F-9C47-39FB9A24514F}"/>
               </a:ext>
             </a:extLst>
           </p:cNvPr>
@@ -1380,7 +1380,7 @@
           <p:cNvPr id="5" name="日期占位符 4">
             <a:extLst>
               <a:ext uri="{FF2B5EF4-FFF2-40B4-BE49-F238E27FC236}">
-                <a16:creationId xmlns:a16="http://schemas.microsoft.com/office/drawing/2014/main" id="{759F4C84-7305-B549-B5CA-4325C3566977}"/>
+                <a16:creationId xmlns:a16="http://schemas.microsoft.com/office/drawing/2014/main" id="{4D5C6E2F-84E5-34E3-7F5F-8F7BFD285FF5}"/>
               </a:ext>
             </a:extLst>
           </p:cNvPr>
@@ -1396,7 +1396,7 @@
           <a:bodyPr/>
           <a:lstStyle/>
           <a:p>
-            <a:fld id="{EA7E40A2-DADF-4703-A080-F2A13789ADFF}" type="datetimeFigureOut">
+            <a:fld id="{7464A8F9-ED8E-40F9-AF24-CEA3B6277D80}" type="datetimeFigureOut">
               <a:rPr lang="zh-CN" altLang="en-US" smtClean="0"/>
               <a:t>2024/3/10</a:t>
             </a:fld>
@@ -1409,7 +1409,7 @@
           <p:cNvPr id="6" name="页脚占位符 5">
             <a:extLst>
               <a:ext uri="{FF2B5EF4-FFF2-40B4-BE49-F238E27FC236}">
-                <a16:creationId xmlns:a16="http://schemas.microsoft.com/office/drawing/2014/main" id="{24DED068-56C2-A8B9-F359-251F41BE9994}"/>
+                <a16:creationId xmlns:a16="http://schemas.microsoft.com/office/drawing/2014/main" id="{3DAF1C56-E8B0-5E38-3FF4-C15800FC6547}"/>
               </a:ext>
             </a:extLst>
           </p:cNvPr>
@@ -1434,7 +1434,7 @@
           <p:cNvPr id="7" name="灯片编号占位符 6">
             <a:extLst>
               <a:ext uri="{FF2B5EF4-FFF2-40B4-BE49-F238E27FC236}">
-                <a16:creationId xmlns:a16="http://schemas.microsoft.com/office/drawing/2014/main" id="{44B82C17-D5BC-F3A9-1E14-FEE455C6CED9}"/>
+                <a16:creationId xmlns:a16="http://schemas.microsoft.com/office/drawing/2014/main" id="{B435DEB4-1B1A-6BC6-9B63-FE9C4953919C}"/>
               </a:ext>
             </a:extLst>
           </p:cNvPr>
@@ -1450,7 +1450,7 @@
           <a:bodyPr/>
           <a:lstStyle/>
           <a:p>
-            <a:fld id="{C9DD12AC-66F2-4BC5-9085-E4AE6734215E}" type="slidenum">
+            <a:fld id="{D3B064BB-ADCB-4DE1-B485-2AC0E04059DB}" type="slidenum">
               <a:rPr lang="zh-CN" altLang="en-US" smtClean="0"/>
               <a:t>‹#›</a:t>
             </a:fld>
@@ -1461,7 +1461,7 @@
     </p:spTree>
     <p:extLst>
       <p:ext uri="{BB962C8B-B14F-4D97-AF65-F5344CB8AC3E}">
-        <p14:creationId xmlns:p14="http://schemas.microsoft.com/office/powerpoint/2010/main" val="3343590423"/>
+        <p14:creationId xmlns:p14="http://schemas.microsoft.com/office/powerpoint/2010/main" val="1306937156"/>
       </p:ext>
     </p:extLst>
   </p:cSld>
@@ -1493,7 +1493,7 @@
           <p:cNvPr id="2" name="标题 1">
             <a:extLst>
               <a:ext uri="{FF2B5EF4-FFF2-40B4-BE49-F238E27FC236}">
-                <a16:creationId xmlns:a16="http://schemas.microsoft.com/office/drawing/2014/main" id="{3ED9877A-2094-F3A4-52BC-3D234B9353AA}"/>
+                <a16:creationId xmlns:a16="http://schemas.microsoft.com/office/drawing/2014/main" id="{53612A80-F41C-43BF-4848-E34ADB01B4B4}"/>
               </a:ext>
             </a:extLst>
           </p:cNvPr>
@@ -1526,7 +1526,7 @@
           <p:cNvPr id="3" name="文本占位符 2">
             <a:extLst>
               <a:ext uri="{FF2B5EF4-FFF2-40B4-BE49-F238E27FC236}">
-                <a16:creationId xmlns:a16="http://schemas.microsoft.com/office/drawing/2014/main" id="{B27B936C-604E-A3BA-3444-57CC50702BF4}"/>
+                <a16:creationId xmlns:a16="http://schemas.microsoft.com/office/drawing/2014/main" id="{A610E724-562B-C4AF-FD78-4B30B8814F55}"/>
               </a:ext>
             </a:extLst>
           </p:cNvPr>
@@ -1597,7 +1597,7 @@
           <p:cNvPr id="4" name="内容占位符 3">
             <a:extLst>
               <a:ext uri="{FF2B5EF4-FFF2-40B4-BE49-F238E27FC236}">
-                <a16:creationId xmlns:a16="http://schemas.microsoft.com/office/drawing/2014/main" id="{E8924991-8703-C0A0-E912-D486E06B4912}"/>
+                <a16:creationId xmlns:a16="http://schemas.microsoft.com/office/drawing/2014/main" id="{2AA4996F-90C0-115F-1705-9EF8B04CE94B}"/>
               </a:ext>
             </a:extLst>
           </p:cNvPr>
@@ -1659,7 +1659,7 @@
           <p:cNvPr id="5" name="文本占位符 4">
             <a:extLst>
               <a:ext uri="{FF2B5EF4-FFF2-40B4-BE49-F238E27FC236}">
-                <a16:creationId xmlns:a16="http://schemas.microsoft.com/office/drawing/2014/main" id="{68BAD132-5886-9981-73E3-7AC530309378}"/>
+                <a16:creationId xmlns:a16="http://schemas.microsoft.com/office/drawing/2014/main" id="{0E560A21-B9BA-36D4-B3A7-C13C3323A09D}"/>
               </a:ext>
             </a:extLst>
           </p:cNvPr>
@@ -1730,7 +1730,7 @@
           <p:cNvPr id="6" name="内容占位符 5">
             <a:extLst>
               <a:ext uri="{FF2B5EF4-FFF2-40B4-BE49-F238E27FC236}">
-                <a16:creationId xmlns:a16="http://schemas.microsoft.com/office/drawing/2014/main" id="{CDBB5C6C-8E35-A222-A619-82EB4D6A5713}"/>
+                <a16:creationId xmlns:a16="http://schemas.microsoft.com/office/drawing/2014/main" id="{EC187FA3-6B07-C7A3-13A4-433C6643BE2A}"/>
               </a:ext>
             </a:extLst>
           </p:cNvPr>
@@ -1792,7 +1792,7 @@
           <p:cNvPr id="7" name="日期占位符 6">
             <a:extLst>
               <a:ext uri="{FF2B5EF4-FFF2-40B4-BE49-F238E27FC236}">
-                <a16:creationId xmlns:a16="http://schemas.microsoft.com/office/drawing/2014/main" id="{2A009F6F-1F91-3333-0F80-0936D55BB600}"/>
+                <a16:creationId xmlns:a16="http://schemas.microsoft.com/office/drawing/2014/main" id="{0D780F59-97BD-867B-D89A-479CA7403A40}"/>
               </a:ext>
             </a:extLst>
           </p:cNvPr>
@@ -1808,7 +1808,7 @@
           <a:bodyPr/>
           <a:lstStyle/>
           <a:p>
-            <a:fld id="{EA7E40A2-DADF-4703-A080-F2A13789ADFF}" type="datetimeFigureOut">
+            <a:fld id="{7464A8F9-ED8E-40F9-AF24-CEA3B6277D80}" type="datetimeFigureOut">
               <a:rPr lang="zh-CN" altLang="en-US" smtClean="0"/>
               <a:t>2024/3/10</a:t>
             </a:fld>
@@ -1821,7 +1821,7 @@
           <p:cNvPr id="8" name="页脚占位符 7">
             <a:extLst>
               <a:ext uri="{FF2B5EF4-FFF2-40B4-BE49-F238E27FC236}">
-                <a16:creationId xmlns:a16="http://schemas.microsoft.com/office/drawing/2014/main" id="{00C7639D-B712-DF6D-0FDC-8F295367B733}"/>
+                <a16:creationId xmlns:a16="http://schemas.microsoft.com/office/drawing/2014/main" id="{B481C583-729D-DB92-CB51-F41BC1B37174}"/>
               </a:ext>
             </a:extLst>
           </p:cNvPr>
@@ -1846,7 +1846,7 @@
           <p:cNvPr id="9" name="灯片编号占位符 8">
             <a:extLst>
               <a:ext uri="{FF2B5EF4-FFF2-40B4-BE49-F238E27FC236}">
-                <a16:creationId xmlns:a16="http://schemas.microsoft.com/office/drawing/2014/main" id="{BB208BF6-21FD-FB3F-A590-B038E5590B42}"/>
+                <a16:creationId xmlns:a16="http://schemas.microsoft.com/office/drawing/2014/main" id="{EF0BC1B0-D7AF-1EC6-F7C2-0ED2B7804B42}"/>
               </a:ext>
             </a:extLst>
           </p:cNvPr>
@@ -1862,7 +1862,7 @@
           <a:bodyPr/>
           <a:lstStyle/>
           <a:p>
-            <a:fld id="{C9DD12AC-66F2-4BC5-9085-E4AE6734215E}" type="slidenum">
+            <a:fld id="{D3B064BB-ADCB-4DE1-B485-2AC0E04059DB}" type="slidenum">
               <a:rPr lang="zh-CN" altLang="en-US" smtClean="0"/>
               <a:t>‹#›</a:t>
             </a:fld>
@@ -1873,7 +1873,7 @@
     </p:spTree>
     <p:extLst>
       <p:ext uri="{BB962C8B-B14F-4D97-AF65-F5344CB8AC3E}">
-        <p14:creationId xmlns:p14="http://schemas.microsoft.com/office/powerpoint/2010/main" val="3557589064"/>
+        <p14:creationId xmlns:p14="http://schemas.microsoft.com/office/powerpoint/2010/main" val="2469545398"/>
       </p:ext>
     </p:extLst>
   </p:cSld>
@@ -1905,7 +1905,7 @@
           <p:cNvPr id="2" name="标题 1">
             <a:extLst>
               <a:ext uri="{FF2B5EF4-FFF2-40B4-BE49-F238E27FC236}">
-                <a16:creationId xmlns:a16="http://schemas.microsoft.com/office/drawing/2014/main" id="{4B3702DE-9682-E4C7-DCAC-8BA9D56D5C9A}"/>
+                <a16:creationId xmlns:a16="http://schemas.microsoft.com/office/drawing/2014/main" id="{B47E96B3-7031-5095-8594-EF23269E2E2E}"/>
               </a:ext>
             </a:extLst>
           </p:cNvPr>
@@ -1933,7 +1933,7 @@
           <p:cNvPr id="3" name="日期占位符 2">
             <a:extLst>
               <a:ext uri="{FF2B5EF4-FFF2-40B4-BE49-F238E27FC236}">
-                <a16:creationId xmlns:a16="http://schemas.microsoft.com/office/drawing/2014/main" id="{3B8D4579-45C4-84DB-B5BB-D6AEDFFB1741}"/>
+                <a16:creationId xmlns:a16="http://schemas.microsoft.com/office/drawing/2014/main" id="{96F10242-8F00-14BB-518D-28DEDD037DC0}"/>
               </a:ext>
             </a:extLst>
           </p:cNvPr>
@@ -1949,7 +1949,7 @@
           <a:bodyPr/>
           <a:lstStyle/>
           <a:p>
-            <a:fld id="{EA7E40A2-DADF-4703-A080-F2A13789ADFF}" type="datetimeFigureOut">
+            <a:fld id="{7464A8F9-ED8E-40F9-AF24-CEA3B6277D80}" type="datetimeFigureOut">
               <a:rPr lang="zh-CN" altLang="en-US" smtClean="0"/>
               <a:t>2024/3/10</a:t>
             </a:fld>
@@ -1962,7 +1962,7 @@
           <p:cNvPr id="4" name="页脚占位符 3">
             <a:extLst>
               <a:ext uri="{FF2B5EF4-FFF2-40B4-BE49-F238E27FC236}">
-                <a16:creationId xmlns:a16="http://schemas.microsoft.com/office/drawing/2014/main" id="{F7E1509F-643C-9A08-4B67-3283A30CAEE4}"/>
+                <a16:creationId xmlns:a16="http://schemas.microsoft.com/office/drawing/2014/main" id="{37DC2F7E-E126-1552-3D62-F99F24873E75}"/>
               </a:ext>
             </a:extLst>
           </p:cNvPr>
@@ -1987,7 +1987,7 @@
           <p:cNvPr id="5" name="灯片编号占位符 4">
             <a:extLst>
               <a:ext uri="{FF2B5EF4-FFF2-40B4-BE49-F238E27FC236}">
-                <a16:creationId xmlns:a16="http://schemas.microsoft.com/office/drawing/2014/main" id="{774EDB97-0CBA-1488-39ED-C1C602E4F556}"/>
+                <a16:creationId xmlns:a16="http://schemas.microsoft.com/office/drawing/2014/main" id="{0276F355-4CFF-864C-9377-408DD3A1E1AF}"/>
               </a:ext>
             </a:extLst>
           </p:cNvPr>
@@ -2003,7 +2003,7 @@
           <a:bodyPr/>
           <a:lstStyle/>
           <a:p>
-            <a:fld id="{C9DD12AC-66F2-4BC5-9085-E4AE6734215E}" type="slidenum">
+            <a:fld id="{D3B064BB-ADCB-4DE1-B485-2AC0E04059DB}" type="slidenum">
               <a:rPr lang="zh-CN" altLang="en-US" smtClean="0"/>
               <a:t>‹#›</a:t>
             </a:fld>
@@ -2014,7 +2014,7 @@
     </p:spTree>
     <p:extLst>
       <p:ext uri="{BB962C8B-B14F-4D97-AF65-F5344CB8AC3E}">
-        <p14:creationId xmlns:p14="http://schemas.microsoft.com/office/powerpoint/2010/main" val="1598606126"/>
+        <p14:creationId xmlns:p14="http://schemas.microsoft.com/office/powerpoint/2010/main" val="2721119994"/>
       </p:ext>
     </p:extLst>
   </p:cSld>
@@ -2046,7 +2046,7 @@
           <p:cNvPr id="2" name="日期占位符 1">
             <a:extLst>
               <a:ext uri="{FF2B5EF4-FFF2-40B4-BE49-F238E27FC236}">
-                <a16:creationId xmlns:a16="http://schemas.microsoft.com/office/drawing/2014/main" id="{5F80958E-C679-824C-194E-B31E60F84F1B}"/>
+                <a16:creationId xmlns:a16="http://schemas.microsoft.com/office/drawing/2014/main" id="{5863A0BA-08FC-16A5-F3F6-F34C2D43DA81}"/>
               </a:ext>
             </a:extLst>
           </p:cNvPr>
@@ -2062,7 +2062,7 @@
           <a:bodyPr/>
           <a:lstStyle/>
           <a:p>
-            <a:fld id="{EA7E40A2-DADF-4703-A080-F2A13789ADFF}" type="datetimeFigureOut">
+            <a:fld id="{7464A8F9-ED8E-40F9-AF24-CEA3B6277D80}" type="datetimeFigureOut">
               <a:rPr lang="zh-CN" altLang="en-US" smtClean="0"/>
               <a:t>2024/3/10</a:t>
             </a:fld>
@@ -2075,7 +2075,7 @@
           <p:cNvPr id="3" name="页脚占位符 2">
             <a:extLst>
               <a:ext uri="{FF2B5EF4-FFF2-40B4-BE49-F238E27FC236}">
-                <a16:creationId xmlns:a16="http://schemas.microsoft.com/office/drawing/2014/main" id="{6CFF296E-8BF0-1BC1-256E-7A802411AEB8}"/>
+                <a16:creationId xmlns:a16="http://schemas.microsoft.com/office/drawing/2014/main" id="{D9795F6C-DE19-00A9-9482-900604FCE31F}"/>
               </a:ext>
             </a:extLst>
           </p:cNvPr>
@@ -2100,7 +2100,7 @@
           <p:cNvPr id="4" name="灯片编号占位符 3">
             <a:extLst>
               <a:ext uri="{FF2B5EF4-FFF2-40B4-BE49-F238E27FC236}">
-                <a16:creationId xmlns:a16="http://schemas.microsoft.com/office/drawing/2014/main" id="{C7E7A133-7BB5-BA3B-2342-A3A50E29E9F9}"/>
+                <a16:creationId xmlns:a16="http://schemas.microsoft.com/office/drawing/2014/main" id="{325625A0-848D-01C9-B3DE-B5E24CB78AC6}"/>
               </a:ext>
             </a:extLst>
           </p:cNvPr>
@@ -2116,7 +2116,7 @@
           <a:bodyPr/>
           <a:lstStyle/>
           <a:p>
-            <a:fld id="{C9DD12AC-66F2-4BC5-9085-E4AE6734215E}" type="slidenum">
+            <a:fld id="{D3B064BB-ADCB-4DE1-B485-2AC0E04059DB}" type="slidenum">
               <a:rPr lang="zh-CN" altLang="en-US" smtClean="0"/>
               <a:t>‹#›</a:t>
             </a:fld>
@@ -2127,7 +2127,7 @@
     </p:spTree>
     <p:extLst>
       <p:ext uri="{BB962C8B-B14F-4D97-AF65-F5344CB8AC3E}">
-        <p14:creationId xmlns:p14="http://schemas.microsoft.com/office/powerpoint/2010/main" val="3558482408"/>
+        <p14:creationId xmlns:p14="http://schemas.microsoft.com/office/powerpoint/2010/main" val="1549959245"/>
       </p:ext>
     </p:extLst>
   </p:cSld>
@@ -2159,7 +2159,7 @@
           <p:cNvPr id="2" name="标题 1">
             <a:extLst>
               <a:ext uri="{FF2B5EF4-FFF2-40B4-BE49-F238E27FC236}">
-                <a16:creationId xmlns:a16="http://schemas.microsoft.com/office/drawing/2014/main" id="{591D1B73-BDBB-B43B-69C0-2DE349CF6CFF}"/>
+                <a16:creationId xmlns:a16="http://schemas.microsoft.com/office/drawing/2014/main" id="{F7FE392A-3305-21D5-98BC-01AC1F744B9A}"/>
               </a:ext>
             </a:extLst>
           </p:cNvPr>
@@ -2196,7 +2196,7 @@
           <p:cNvPr id="3" name="内容占位符 2">
             <a:extLst>
               <a:ext uri="{FF2B5EF4-FFF2-40B4-BE49-F238E27FC236}">
-                <a16:creationId xmlns:a16="http://schemas.microsoft.com/office/drawing/2014/main" id="{1216F1A0-3C33-46D3-0126-2BC46E830515}"/>
+                <a16:creationId xmlns:a16="http://schemas.microsoft.com/office/drawing/2014/main" id="{BBB15613-518F-7F9E-0199-0A1E6A680EE1}"/>
               </a:ext>
             </a:extLst>
           </p:cNvPr>
@@ -2286,7 +2286,7 @@
           <p:cNvPr id="4" name="文本占位符 3">
             <a:extLst>
               <a:ext uri="{FF2B5EF4-FFF2-40B4-BE49-F238E27FC236}">
-                <a16:creationId xmlns:a16="http://schemas.microsoft.com/office/drawing/2014/main" id="{F8BCCFBB-19E2-793D-ABDC-89A0232BE418}"/>
+                <a16:creationId xmlns:a16="http://schemas.microsoft.com/office/drawing/2014/main" id="{B4B33FF3-F6EA-D752-FC8A-8A1F1EB40244}"/>
               </a:ext>
             </a:extLst>
           </p:cNvPr>
@@ -2357,7 +2357,7 @@
           <p:cNvPr id="5" name="日期占位符 4">
             <a:extLst>
               <a:ext uri="{FF2B5EF4-FFF2-40B4-BE49-F238E27FC236}">
-                <a16:creationId xmlns:a16="http://schemas.microsoft.com/office/drawing/2014/main" id="{1C3DD6E7-7B05-FB8D-39A8-B272F1E37085}"/>
+                <a16:creationId xmlns:a16="http://schemas.microsoft.com/office/drawing/2014/main" id="{1EF9E58D-4635-5281-8DA8-858B5F85B3C4}"/>
               </a:ext>
             </a:extLst>
           </p:cNvPr>
@@ -2373,7 +2373,7 @@
           <a:bodyPr/>
           <a:lstStyle/>
           <a:p>
-            <a:fld id="{EA7E40A2-DADF-4703-A080-F2A13789ADFF}" type="datetimeFigureOut">
+            <a:fld id="{7464A8F9-ED8E-40F9-AF24-CEA3B6277D80}" type="datetimeFigureOut">
               <a:rPr lang="zh-CN" altLang="en-US" smtClean="0"/>
               <a:t>2024/3/10</a:t>
             </a:fld>
@@ -2386,7 +2386,7 @@
           <p:cNvPr id="6" name="页脚占位符 5">
             <a:extLst>
               <a:ext uri="{FF2B5EF4-FFF2-40B4-BE49-F238E27FC236}">
-                <a16:creationId xmlns:a16="http://schemas.microsoft.com/office/drawing/2014/main" id="{14BDA60B-3C92-FC22-580D-C4162096280C}"/>
+                <a16:creationId xmlns:a16="http://schemas.microsoft.com/office/drawing/2014/main" id="{75A534AB-937F-73D6-A267-9B69B5DE6069}"/>
               </a:ext>
             </a:extLst>
           </p:cNvPr>
@@ -2411,7 +2411,7 @@
           <p:cNvPr id="7" name="灯片编号占位符 6">
             <a:extLst>
               <a:ext uri="{FF2B5EF4-FFF2-40B4-BE49-F238E27FC236}">
-                <a16:creationId xmlns:a16="http://schemas.microsoft.com/office/drawing/2014/main" id="{A4E600E1-004E-F412-DADF-ACF93DC6C196}"/>
+                <a16:creationId xmlns:a16="http://schemas.microsoft.com/office/drawing/2014/main" id="{554897F2-A847-CF55-C4C7-25D8AF37725A}"/>
               </a:ext>
             </a:extLst>
           </p:cNvPr>
@@ -2427,7 +2427,7 @@
           <a:bodyPr/>
           <a:lstStyle/>
           <a:p>
-            <a:fld id="{C9DD12AC-66F2-4BC5-9085-E4AE6734215E}" type="slidenum">
+            <a:fld id="{D3B064BB-ADCB-4DE1-B485-2AC0E04059DB}" type="slidenum">
               <a:rPr lang="zh-CN" altLang="en-US" smtClean="0"/>
               <a:t>‹#›</a:t>
             </a:fld>
@@ -2438,7 +2438,7 @@
     </p:spTree>
     <p:extLst>
       <p:ext uri="{BB962C8B-B14F-4D97-AF65-F5344CB8AC3E}">
-        <p14:creationId xmlns:p14="http://schemas.microsoft.com/office/powerpoint/2010/main" val="3745849483"/>
+        <p14:creationId xmlns:p14="http://schemas.microsoft.com/office/powerpoint/2010/main" val="244584750"/>
       </p:ext>
     </p:extLst>
   </p:cSld>
@@ -2470,7 +2470,7 @@
           <p:cNvPr id="2" name="标题 1">
             <a:extLst>
               <a:ext uri="{FF2B5EF4-FFF2-40B4-BE49-F238E27FC236}">
-                <a16:creationId xmlns:a16="http://schemas.microsoft.com/office/drawing/2014/main" id="{8C6AE4AC-6B55-2A81-0E95-D393675BCE0F}"/>
+                <a16:creationId xmlns:a16="http://schemas.microsoft.com/office/drawing/2014/main" id="{1DC6DF66-9859-E8E0-24B5-8E4AC3B67874}"/>
               </a:ext>
             </a:extLst>
           </p:cNvPr>
@@ -2507,7 +2507,7 @@
           <p:cNvPr id="3" name="图片占位符 2">
             <a:extLst>
               <a:ext uri="{FF2B5EF4-FFF2-40B4-BE49-F238E27FC236}">
-                <a16:creationId xmlns:a16="http://schemas.microsoft.com/office/drawing/2014/main" id="{83516418-8A59-F274-E9C0-8E710793451B}"/>
+                <a16:creationId xmlns:a16="http://schemas.microsoft.com/office/drawing/2014/main" id="{9C5DE9D3-CC7B-235D-261D-BF921277051A}"/>
               </a:ext>
             </a:extLst>
           </p:cNvPr>
@@ -2574,7 +2574,7 @@
           <p:cNvPr id="4" name="文本占位符 3">
             <a:extLst>
               <a:ext uri="{FF2B5EF4-FFF2-40B4-BE49-F238E27FC236}">
-                <a16:creationId xmlns:a16="http://schemas.microsoft.com/office/drawing/2014/main" id="{4506191B-1BB5-3358-389F-5F245A0C91F3}"/>
+                <a16:creationId xmlns:a16="http://schemas.microsoft.com/office/drawing/2014/main" id="{17D488AE-4C83-1378-7056-265C9A81F69B}"/>
               </a:ext>
             </a:extLst>
           </p:cNvPr>
@@ -2645,7 +2645,7 @@
           <p:cNvPr id="5" name="日期占位符 4">
             <a:extLst>
               <a:ext uri="{FF2B5EF4-FFF2-40B4-BE49-F238E27FC236}">
-                <a16:creationId xmlns:a16="http://schemas.microsoft.com/office/drawing/2014/main" id="{DE65100F-7C33-CD88-9206-BAC1E790A28C}"/>
+                <a16:creationId xmlns:a16="http://schemas.microsoft.com/office/drawing/2014/main" id="{A41D68B5-631F-819F-D350-6D144F08A612}"/>
               </a:ext>
             </a:extLst>
           </p:cNvPr>
@@ -2661,7 +2661,7 @@
           <a:bodyPr/>
           <a:lstStyle/>
           <a:p>
-            <a:fld id="{EA7E40A2-DADF-4703-A080-F2A13789ADFF}" type="datetimeFigureOut">
+            <a:fld id="{7464A8F9-ED8E-40F9-AF24-CEA3B6277D80}" type="datetimeFigureOut">
               <a:rPr lang="zh-CN" altLang="en-US" smtClean="0"/>
               <a:t>2024/3/10</a:t>
             </a:fld>
@@ -2674,7 +2674,7 @@
           <p:cNvPr id="6" name="页脚占位符 5">
             <a:extLst>
               <a:ext uri="{FF2B5EF4-FFF2-40B4-BE49-F238E27FC236}">
-                <a16:creationId xmlns:a16="http://schemas.microsoft.com/office/drawing/2014/main" id="{4E9A8B13-A445-E982-B02E-CF5253CB270F}"/>
+                <a16:creationId xmlns:a16="http://schemas.microsoft.com/office/drawing/2014/main" id="{FB91542C-9807-C63B-081E-031131F57184}"/>
               </a:ext>
             </a:extLst>
           </p:cNvPr>
@@ -2699,7 +2699,7 @@
           <p:cNvPr id="7" name="灯片编号占位符 6">
             <a:extLst>
               <a:ext uri="{FF2B5EF4-FFF2-40B4-BE49-F238E27FC236}">
-                <a16:creationId xmlns:a16="http://schemas.microsoft.com/office/drawing/2014/main" id="{576286A4-597E-E21F-6DE5-DA2A08DC9940}"/>
+                <a16:creationId xmlns:a16="http://schemas.microsoft.com/office/drawing/2014/main" id="{778C1337-174A-A199-7428-10CA02B79490}"/>
               </a:ext>
             </a:extLst>
           </p:cNvPr>
@@ -2715,7 +2715,7 @@
           <a:bodyPr/>
           <a:lstStyle/>
           <a:p>
-            <a:fld id="{C9DD12AC-66F2-4BC5-9085-E4AE6734215E}" type="slidenum">
+            <a:fld id="{D3B064BB-ADCB-4DE1-B485-2AC0E04059DB}" type="slidenum">
               <a:rPr lang="zh-CN" altLang="en-US" smtClean="0"/>
               <a:t>‹#›</a:t>
             </a:fld>
@@ -2726,7 +2726,7 @@
     </p:spTree>
     <p:extLst>
       <p:ext uri="{BB962C8B-B14F-4D97-AF65-F5344CB8AC3E}">
-        <p14:creationId xmlns:p14="http://schemas.microsoft.com/office/powerpoint/2010/main" val="284032166"/>
+        <p14:creationId xmlns:p14="http://schemas.microsoft.com/office/powerpoint/2010/main" val="3651412729"/>
       </p:ext>
     </p:extLst>
   </p:cSld>
@@ -2763,7 +2763,7 @@
           <p:cNvPr id="2" name="标题占位符 1">
             <a:extLst>
               <a:ext uri="{FF2B5EF4-FFF2-40B4-BE49-F238E27FC236}">
-                <a16:creationId xmlns:a16="http://schemas.microsoft.com/office/drawing/2014/main" id="{F57C7B79-82AA-2E20-9048-356A4B08254C}"/>
+                <a16:creationId xmlns:a16="http://schemas.microsoft.com/office/drawing/2014/main" id="{A0FEE496-0674-C8A0-B799-7B9B3E65B911}"/>
               </a:ext>
             </a:extLst>
           </p:cNvPr>
@@ -2801,7 +2801,7 @@
           <p:cNvPr id="3" name="文本占位符 2">
             <a:extLst>
               <a:ext uri="{FF2B5EF4-FFF2-40B4-BE49-F238E27FC236}">
-                <a16:creationId xmlns:a16="http://schemas.microsoft.com/office/drawing/2014/main" id="{CBCC70A8-DC4B-8C34-BBE2-79A2F7711F8E}"/>
+                <a16:creationId xmlns:a16="http://schemas.microsoft.com/office/drawing/2014/main" id="{CB654A44-DB25-A863-6A07-4ACF3E29C02F}"/>
               </a:ext>
             </a:extLst>
           </p:cNvPr>
@@ -2868,7 +2868,7 @@
           <p:cNvPr id="4" name="日期占位符 3">
             <a:extLst>
               <a:ext uri="{FF2B5EF4-FFF2-40B4-BE49-F238E27FC236}">
-                <a16:creationId xmlns:a16="http://schemas.microsoft.com/office/drawing/2014/main" id="{306DCCF0-75E9-2153-6065-E06FDD645B65}"/>
+                <a16:creationId xmlns:a16="http://schemas.microsoft.com/office/drawing/2014/main" id="{3D4D691E-66A6-17F5-3806-A3A0FF39CE8C}"/>
               </a:ext>
             </a:extLst>
           </p:cNvPr>
@@ -2902,7 +2902,7 @@
             </a:lvl1pPr>
           </a:lstStyle>
           <a:p>
-            <a:fld id="{EA7E40A2-DADF-4703-A080-F2A13789ADFF}" type="datetimeFigureOut">
+            <a:fld id="{7464A8F9-ED8E-40F9-AF24-CEA3B6277D80}" type="datetimeFigureOut">
               <a:rPr lang="zh-CN" altLang="en-US" smtClean="0"/>
               <a:t>2024/3/10</a:t>
             </a:fld>
@@ -2915,7 +2915,7 @@
           <p:cNvPr id="5" name="页脚占位符 4">
             <a:extLst>
               <a:ext uri="{FF2B5EF4-FFF2-40B4-BE49-F238E27FC236}">
-                <a16:creationId xmlns:a16="http://schemas.microsoft.com/office/drawing/2014/main" id="{279266A3-EECF-D02A-268D-F131C5429993}"/>
+                <a16:creationId xmlns:a16="http://schemas.microsoft.com/office/drawing/2014/main" id="{5D55367D-0FBB-9BF0-8912-0A6DD9B2CDD2}"/>
               </a:ext>
             </a:extLst>
           </p:cNvPr>
@@ -2958,7 +2958,7 @@
           <p:cNvPr id="6" name="灯片编号占位符 5">
             <a:extLst>
               <a:ext uri="{FF2B5EF4-FFF2-40B4-BE49-F238E27FC236}">
-                <a16:creationId xmlns:a16="http://schemas.microsoft.com/office/drawing/2014/main" id="{FDB139BF-4020-0D1E-2F26-97EB72249A63}"/>
+                <a16:creationId xmlns:a16="http://schemas.microsoft.com/office/drawing/2014/main" id="{96D9D957-C380-3192-ABC9-27EEF2A80169}"/>
               </a:ext>
             </a:extLst>
           </p:cNvPr>
@@ -2992,7 +2992,7 @@
             </a:lvl1pPr>
           </a:lstStyle>
           <a:p>
-            <a:fld id="{C9DD12AC-66F2-4BC5-9085-E4AE6734215E}" type="slidenum">
+            <a:fld id="{D3B064BB-ADCB-4DE1-B485-2AC0E04059DB}" type="slidenum">
               <a:rPr lang="zh-CN" altLang="en-US" smtClean="0"/>
               <a:t>‹#›</a:t>
             </a:fld>
@@ -3003,7 +3003,7 @@
     </p:spTree>
     <p:extLst>
       <p:ext uri="{BB962C8B-B14F-4D97-AF65-F5344CB8AC3E}">
-        <p14:creationId xmlns:p14="http://schemas.microsoft.com/office/powerpoint/2010/main" val="3533203800"/>
+        <p14:creationId xmlns:p14="http://schemas.microsoft.com/office/powerpoint/2010/main" val="4271996864"/>
       </p:ext>
     </p:extLst>
   </p:cSld>
